--- a/Barvy web.pptx
+++ b/Barvy web.pptx
@@ -106,6 +106,11 @@
       </a:defRPr>
     </a:lvl9pPr>
   </p:defaultTextStyle>
+  <p:extLst>
+    <p:ext uri="{EFAFB233-063F-42B5-8137-9DF3F51BA10A}">
+      <p15:sldGuideLst xmlns:p15="http://schemas.microsoft.com/office/powerpoint/2012/main"/>
+    </p:ext>
+  </p:extLst>
 </p:presentation>
 </file>
 
@@ -5992,6 +5997,100 @@
               </a:rPr>
               <a:t>#bc4749</a:t>
             </a:r>
+          </a:p>
+        </p:txBody>
+      </p:sp>
+      <p:sp>
+        <p:nvSpPr>
+          <p:cNvPr id="2" name="Obdélník 1">
+            <a:extLst>
+              <a:ext uri="{FF2B5EF4-FFF2-40B4-BE49-F238E27FC236}">
+                <a16:creationId xmlns:a16="http://schemas.microsoft.com/office/drawing/2014/main" id="{D428A675-491C-2BAF-C3CC-BE32EB8AF9C0}"/>
+              </a:ext>
+            </a:extLst>
+          </p:cNvPr>
+          <p:cNvSpPr/>
+          <p:nvPr/>
+        </p:nvSpPr>
+        <p:spPr>
+          <a:xfrm>
+            <a:off x="7182815" y="2524432"/>
+            <a:ext cx="1543664" cy="904568"/>
+          </a:xfrm>
+          <a:prstGeom prst="rect">
+            <a:avLst/>
+          </a:prstGeom>
+          <a:solidFill>
+            <a:srgbClr val="ECF0F1"/>
+          </a:solidFill>
+          <a:ln>
+            <a:noFill/>
+          </a:ln>
+        </p:spPr>
+        <p:style>
+          <a:lnRef idx="2">
+            <a:schemeClr val="accent1">
+              <a:shade val="15000"/>
+            </a:schemeClr>
+          </a:lnRef>
+          <a:fillRef idx="1">
+            <a:schemeClr val="accent1"/>
+          </a:fillRef>
+          <a:effectRef idx="0">
+            <a:schemeClr val="accent1"/>
+          </a:effectRef>
+          <a:fontRef idx="minor">
+            <a:schemeClr val="lt1"/>
+          </a:fontRef>
+        </p:style>
+        <p:txBody>
+          <a:bodyPr rtlCol="0" anchor="ctr"/>
+          <a:lstStyle/>
+          <a:p>
+            <a:pPr algn="ctr"/>
+            <a:endParaRPr lang="cs-CZ"/>
+          </a:p>
+        </p:txBody>
+      </p:sp>
+      <p:sp>
+        <p:nvSpPr>
+          <p:cNvPr id="4" name="TextovéPole 3">
+            <a:extLst>
+              <a:ext uri="{FF2B5EF4-FFF2-40B4-BE49-F238E27FC236}">
+                <a16:creationId xmlns:a16="http://schemas.microsoft.com/office/drawing/2014/main" id="{F0FA6AFC-DD2D-275E-C43A-EA83FFC7F896}"/>
+              </a:ext>
+            </a:extLst>
+          </p:cNvPr>
+          <p:cNvSpPr txBox="1"/>
+          <p:nvPr/>
+        </p:nvSpPr>
+        <p:spPr>
+          <a:xfrm>
+            <a:off x="7522378" y="2792050"/>
+            <a:ext cx="1748589" cy="369332"/>
+          </a:xfrm>
+          <a:prstGeom prst="rect">
+            <a:avLst/>
+          </a:prstGeom>
+          <a:noFill/>
+        </p:spPr>
+        <p:txBody>
+          <a:bodyPr wrap="square">
+            <a:spAutoFit/>
+          </a:bodyPr>
+          <a:lstStyle/>
+          <a:p>
+            <a:r>
+              <a:rPr lang="cs-CZ" sz="1800" b="1" i="0" u="none" strike="noStrike" dirty="0">
+                <a:solidFill>
+                  <a:srgbClr val="000000"/>
+                </a:solidFill>
+                <a:effectLst/>
+                <a:latin typeface="Arial" panose="020B0604020202020204" pitchFamily="34" charset="0"/>
+              </a:rPr>
+              <a:t>#ecf0f1 </a:t>
+            </a:r>
+            <a:endParaRPr lang="cs-CZ" dirty="0"/>
           </a:p>
         </p:txBody>
       </p:sp>

--- a/Barvy web.pptx
+++ b/Barvy web.pptx
@@ -261,7 +261,7 @@
           <a:p>
             <a:fld id="{8D9FE460-BB13-43CD-B99F-F022E0C507A6}" type="datetimeFigureOut">
               <a:rPr lang="cs-CZ" smtClean="0"/>
-              <a:t>06.09.2024</a:t>
+              <a:t>07.09.2024</a:t>
             </a:fld>
             <a:endParaRPr lang="cs-CZ"/>
           </a:p>
@@ -459,7 +459,7 @@
           <a:p>
             <a:fld id="{8D9FE460-BB13-43CD-B99F-F022E0C507A6}" type="datetimeFigureOut">
               <a:rPr lang="cs-CZ" smtClean="0"/>
-              <a:t>06.09.2024</a:t>
+              <a:t>07.09.2024</a:t>
             </a:fld>
             <a:endParaRPr lang="cs-CZ"/>
           </a:p>
@@ -667,7 +667,7 @@
           <a:p>
             <a:fld id="{8D9FE460-BB13-43CD-B99F-F022E0C507A6}" type="datetimeFigureOut">
               <a:rPr lang="cs-CZ" smtClean="0"/>
-              <a:t>06.09.2024</a:t>
+              <a:t>07.09.2024</a:t>
             </a:fld>
             <a:endParaRPr lang="cs-CZ"/>
           </a:p>
@@ -865,7 +865,7 @@
           <a:p>
             <a:fld id="{8D9FE460-BB13-43CD-B99F-F022E0C507A6}" type="datetimeFigureOut">
               <a:rPr lang="cs-CZ" smtClean="0"/>
-              <a:t>06.09.2024</a:t>
+              <a:t>07.09.2024</a:t>
             </a:fld>
             <a:endParaRPr lang="cs-CZ"/>
           </a:p>
@@ -1140,7 +1140,7 @@
           <a:p>
             <a:fld id="{8D9FE460-BB13-43CD-B99F-F022E0C507A6}" type="datetimeFigureOut">
               <a:rPr lang="cs-CZ" smtClean="0"/>
-              <a:t>06.09.2024</a:t>
+              <a:t>07.09.2024</a:t>
             </a:fld>
             <a:endParaRPr lang="cs-CZ"/>
           </a:p>
@@ -1405,7 +1405,7 @@
           <a:p>
             <a:fld id="{8D9FE460-BB13-43CD-B99F-F022E0C507A6}" type="datetimeFigureOut">
               <a:rPr lang="cs-CZ" smtClean="0"/>
-              <a:t>06.09.2024</a:t>
+              <a:t>07.09.2024</a:t>
             </a:fld>
             <a:endParaRPr lang="cs-CZ"/>
           </a:p>
@@ -1817,7 +1817,7 @@
           <a:p>
             <a:fld id="{8D9FE460-BB13-43CD-B99F-F022E0C507A6}" type="datetimeFigureOut">
               <a:rPr lang="cs-CZ" smtClean="0"/>
-              <a:t>06.09.2024</a:t>
+              <a:t>07.09.2024</a:t>
             </a:fld>
             <a:endParaRPr lang="cs-CZ"/>
           </a:p>
@@ -1958,7 +1958,7 @@
           <a:p>
             <a:fld id="{8D9FE460-BB13-43CD-B99F-F022E0C507A6}" type="datetimeFigureOut">
               <a:rPr lang="cs-CZ" smtClean="0"/>
-              <a:t>06.09.2024</a:t>
+              <a:t>07.09.2024</a:t>
             </a:fld>
             <a:endParaRPr lang="cs-CZ"/>
           </a:p>
@@ -2071,7 +2071,7 @@
           <a:p>
             <a:fld id="{8D9FE460-BB13-43CD-B99F-F022E0C507A6}" type="datetimeFigureOut">
               <a:rPr lang="cs-CZ" smtClean="0"/>
-              <a:t>06.09.2024</a:t>
+              <a:t>07.09.2024</a:t>
             </a:fld>
             <a:endParaRPr lang="cs-CZ"/>
           </a:p>
@@ -2382,7 +2382,7 @@
           <a:p>
             <a:fld id="{8D9FE460-BB13-43CD-B99F-F022E0C507A6}" type="datetimeFigureOut">
               <a:rPr lang="cs-CZ" smtClean="0"/>
-              <a:t>06.09.2024</a:t>
+              <a:t>07.09.2024</a:t>
             </a:fld>
             <a:endParaRPr lang="cs-CZ"/>
           </a:p>
@@ -2670,7 +2670,7 @@
           <a:p>
             <a:fld id="{8D9FE460-BB13-43CD-B99F-F022E0C507A6}" type="datetimeFigureOut">
               <a:rPr lang="cs-CZ" smtClean="0"/>
-              <a:t>06.09.2024</a:t>
+              <a:t>07.09.2024</a:t>
             </a:fld>
             <a:endParaRPr lang="cs-CZ"/>
           </a:p>
@@ -2911,7 +2911,7 @@
           <a:p>
             <a:fld id="{8D9FE460-BB13-43CD-B99F-F022E0C507A6}" type="datetimeFigureOut">
               <a:rPr lang="cs-CZ" smtClean="0"/>
-              <a:t>06.09.2024</a:t>
+              <a:t>07.09.2024</a:t>
             </a:fld>
             <a:endParaRPr lang="cs-CZ"/>
           </a:p>
@@ -5927,6 +5927,22 @@
             </a:endParaRPr>
           </a:p>
           <a:p>
+            <a:pPr fontAlgn="base">
+              <a:spcAft>
+                <a:spcPts val="1200"/>
+              </a:spcAft>
+            </a:pPr>
+            <a:r>
+              <a:rPr lang="cs-CZ" sz="1000" b="1" dirty="0">
+                <a:solidFill>
+                  <a:srgbClr val="000000"/>
+                </a:solidFill>
+                <a:latin typeface="Arial" panose="020B0604020202020204" pitchFamily="34" charset="0"/>
+              </a:rPr>
+              <a:t>f2e8cf</a:t>
+            </a:r>
+          </a:p>
+          <a:p>
             <a:pPr rtl="0" fontAlgn="base">
               <a:spcBef>
                 <a:spcPts val="0"/>
@@ -5943,18 +5959,8 @@
                 <a:effectLst/>
                 <a:latin typeface="Arial" panose="020B0604020202020204" pitchFamily="34" charset="0"/>
               </a:rPr>
-              <a:t>#f2e8cf</a:t>
-            </a:r>
-          </a:p>
-          <a:p>
-            <a:pPr rtl="0" fontAlgn="base">
-              <a:spcBef>
-                <a:spcPts val="0"/>
-              </a:spcBef>
-              <a:spcAft>
-                <a:spcPts val="1200"/>
-              </a:spcAft>
-            </a:pPr>
+              <a:t>#</a:t>
+            </a:r>
             <a:endParaRPr lang="cs-CZ" sz="1000" b="1" dirty="0">
               <a:solidFill>
                 <a:srgbClr val="000000"/>
